--- a/Báo_cáo.pptx
+++ b/Báo_cáo.pptx
@@ -11,14 +11,15 @@
     <p:sldId id="259" r:id="rId5"/>
     <p:sldId id="260" r:id="rId6"/>
     <p:sldId id="261" r:id="rId7"/>
-    <p:sldId id="262" r:id="rId8"/>
-    <p:sldId id="263" r:id="rId9"/>
-    <p:sldId id="264" r:id="rId10"/>
-    <p:sldId id="265" r:id="rId11"/>
-    <p:sldId id="266" r:id="rId12"/>
-    <p:sldId id="267" r:id="rId13"/>
-    <p:sldId id="268" r:id="rId14"/>
-    <p:sldId id="269" r:id="rId15"/>
+    <p:sldId id="270" r:id="rId8"/>
+    <p:sldId id="262" r:id="rId9"/>
+    <p:sldId id="263" r:id="rId10"/>
+    <p:sldId id="264" r:id="rId11"/>
+    <p:sldId id="265" r:id="rId12"/>
+    <p:sldId id="266" r:id="rId13"/>
+    <p:sldId id="267" r:id="rId14"/>
+    <p:sldId id="268" r:id="rId15"/>
+    <p:sldId id="269" r:id="rId16"/>
   </p:sldIdLst>
   <p:sldSz cx="12192000" cy="6858000"/>
   <p:notesSz cx="6858000" cy="9144000"/>
@@ -117,6 +118,11 @@
       </a:defRPr>
     </a:lvl9pPr>
   </p:defaultTextStyle>
+  <p:extLst>
+    <p:ext uri="{EFAFB233-063F-42B5-8137-9DF3F51BA10A}">
+      <p15:sldGuideLst xmlns:p15="http://schemas.microsoft.com/office/powerpoint/2012/main"/>
+    </p:ext>
+  </p:extLst>
 </p:presentation>
 </file>
 
@@ -283,7 +289,7 @@
           <a:p>
             <a:fld id="{1160EA64-D806-43AC-9DF2-F8C432F32B4C}" type="datetimeFigureOut">
               <a:rPr lang="en-US" dirty="0"/>
-              <a:t>08-11-2019</a:t>
+              <a:t>11-11-2019</a:t>
             </a:fld>
             <a:endParaRPr lang="en-US" dirty="0"/>
           </a:p>
@@ -449,7 +455,7 @@
           <a:p>
             <a:fld id="{E9F9C37B-1D36-470B-8223-D6C91242EC14}" type="datetimeFigureOut">
               <a:rPr lang="en-US" dirty="0"/>
-              <a:t>08-11-2019</a:t>
+              <a:t>11-11-2019</a:t>
             </a:fld>
             <a:endParaRPr lang="en-US" dirty="0"/>
           </a:p>
@@ -624,7 +630,7 @@
           <a:p>
             <a:fld id="{67C6F52A-A82B-47A2-A83A-8C4C91F2D59F}" type="datetimeFigureOut">
               <a:rPr lang="en-US" dirty="0"/>
-              <a:t>08-11-2019</a:t>
+              <a:t>11-11-2019</a:t>
             </a:fld>
             <a:endParaRPr lang="en-US" dirty="0"/>
           </a:p>
@@ -789,7 +795,7 @@
           <a:p>
             <a:fld id="{F070A7B3-6521-4DCA-87E5-044747A908C1}" type="datetimeFigureOut">
               <a:rPr lang="en-US" dirty="0"/>
-              <a:t>08-11-2019</a:t>
+              <a:t>11-11-2019</a:t>
             </a:fld>
             <a:endParaRPr lang="en-US" dirty="0"/>
           </a:p>
@@ -1053,7 +1059,7 @@
           <a:p>
             <a:fld id="{1160EA64-D806-43AC-9DF2-F8C432F32B4C}" type="datetimeFigureOut">
               <a:rPr lang="en-US" dirty="0"/>
-              <a:t>08-11-2019</a:t>
+              <a:t>11-11-2019</a:t>
             </a:fld>
             <a:endParaRPr lang="en-US" dirty="0"/>
           </a:p>
@@ -1281,7 +1287,7 @@
           <a:p>
             <a:fld id="{AB134690-1557-4C89-A502-4959FE7FAD70}" type="datetimeFigureOut">
               <a:rPr lang="en-US" dirty="0"/>
-              <a:t>08-11-2019</a:t>
+              <a:t>11-11-2019</a:t>
             </a:fld>
             <a:endParaRPr lang="en-US" dirty="0"/>
           </a:p>
@@ -1635,7 +1641,7 @@
           <a:p>
             <a:fld id="{4F7D4976-E339-4826-83B7-FBD03F55ECF8}" type="datetimeFigureOut">
               <a:rPr lang="en-US" dirty="0"/>
-              <a:t>08-11-2019</a:t>
+              <a:t>11-11-2019</a:t>
             </a:fld>
             <a:endParaRPr lang="en-US" dirty="0"/>
           </a:p>
@@ -1771,7 +1777,7 @@
           <a:p>
             <a:fld id="{E1037C31-9E7A-4F99-8774-A0E530DE1A42}" type="datetimeFigureOut">
               <a:rPr lang="en-US" dirty="0"/>
-              <a:t>08-11-2019</a:t>
+              <a:t>11-11-2019</a:t>
             </a:fld>
             <a:endParaRPr lang="en-US" dirty="0"/>
           </a:p>
@@ -1861,7 +1867,7 @@
           <a:p>
             <a:fld id="{C278504F-A551-4DE0-9316-4DCD1D8CC752}" type="datetimeFigureOut">
               <a:rPr lang="en-US" dirty="0"/>
-              <a:t>08-11-2019</a:t>
+              <a:t>11-11-2019</a:t>
             </a:fld>
             <a:endParaRPr lang="en-US" dirty="0"/>
           </a:p>
@@ -2213,7 +2219,7 @@
           <a:p>
             <a:fld id="{D1BE4249-C0D0-4B06-8692-E8BB871AF643}" type="datetimeFigureOut">
               <a:rPr lang="en-US" dirty="0"/>
-              <a:t>08-11-2019</a:t>
+              <a:t>11-11-2019</a:t>
             </a:fld>
             <a:endParaRPr lang="en-US" dirty="0"/>
           </a:p>
@@ -2565,7 +2571,7 @@
           <a:p>
             <a:fld id="{042B0DB6-F5C7-45FB-8CF3-31B45F9C2DAC}" type="datetimeFigureOut">
               <a:rPr lang="en-US" dirty="0"/>
-              <a:t>08-11-2019</a:t>
+              <a:t>11-11-2019</a:t>
             </a:fld>
             <a:endParaRPr lang="en-US" dirty="0"/>
           </a:p>
@@ -2802,7 +2808,7 @@
           <a:p>
             <a:fld id="{1160EA64-D806-43AC-9DF2-F8C432F32B4C}" type="datetimeFigureOut">
               <a:rPr lang="en-US" dirty="0"/>
-              <a:t>08-11-2019</a:t>
+              <a:t>11-11-2019</a:t>
             </a:fld>
             <a:endParaRPr lang="en-US" dirty="0"/>
           </a:p>
@@ -3878,6 +3884,750 @@
           <p:cNvPr id="2" name="Title 1">
             <a:extLst>
               <a:ext uri="{FF2B5EF4-FFF2-40B4-BE49-F238E27FC236}">
+                <a16:creationId xmlns:a16="http://schemas.microsoft.com/office/drawing/2014/main" id="{67621457-0CD9-4146-AC5D-55DDF3D79957}"/>
+              </a:ext>
+            </a:extLst>
+          </p:cNvPr>
+          <p:cNvSpPr>
+            <a:spLocks noGrp="1"/>
+          </p:cNvSpPr>
+          <p:nvPr>
+            <p:ph type="title"/>
+          </p:nvPr>
+        </p:nvSpPr>
+        <p:spPr/>
+        <p:txBody>
+          <a:bodyPr/>
+          <a:lstStyle/>
+          <a:p>
+            <a:r>
+              <a:rPr lang="en-US" sz="3200" b="1" dirty="0" err="1">
+                <a:solidFill>
+                  <a:srgbClr val="FF0000"/>
+                </a:solidFill>
+                <a:latin typeface="Adobe Garamond Pro Bold" panose="02020702060506020403" pitchFamily="18" charset="0"/>
+              </a:rPr>
+              <a:t>Giao</a:t>
+            </a:r>
+            <a:r>
+              <a:rPr lang="en-US" sz="3200" b="1" dirty="0">
+                <a:solidFill>
+                  <a:srgbClr val="FF0000"/>
+                </a:solidFill>
+                <a:latin typeface="Adobe Garamond Pro Bold" panose="02020702060506020403" pitchFamily="18" charset="0"/>
+              </a:rPr>
+              <a:t> </a:t>
+            </a:r>
+            <a:r>
+              <a:rPr lang="en-US" sz="3200" b="1" dirty="0" err="1">
+                <a:solidFill>
+                  <a:srgbClr val="FF0000"/>
+                </a:solidFill>
+                <a:latin typeface="Adobe Garamond Pro Bold" panose="02020702060506020403" pitchFamily="18" charset="0"/>
+              </a:rPr>
+              <a:t>diện</a:t>
+            </a:r>
+            <a:r>
+              <a:rPr lang="en-US" sz="3200" b="1" dirty="0">
+                <a:solidFill>
+                  <a:srgbClr val="FF0000"/>
+                </a:solidFill>
+                <a:latin typeface="Adobe Garamond Pro Bold" panose="02020702060506020403" pitchFamily="18" charset="0"/>
+              </a:rPr>
+              <a:t> </a:t>
+            </a:r>
+            <a:r>
+              <a:rPr lang="en-US" sz="3200" b="1" dirty="0" err="1">
+                <a:solidFill>
+                  <a:srgbClr val="FF0000"/>
+                </a:solidFill>
+                <a:latin typeface="Adobe Garamond Pro Bold" panose="02020702060506020403" pitchFamily="18" charset="0"/>
+              </a:rPr>
+              <a:t>ch</a:t>
+            </a:r>
+            <a:r>
+              <a:rPr lang="vi-VN" sz="3200" b="1" dirty="0">
+                <a:solidFill>
+                  <a:srgbClr val="FF0000"/>
+                </a:solidFill>
+              </a:rPr>
+              <a:t>ư</a:t>
+            </a:r>
+            <a:r>
+              <a:rPr lang="en-US" sz="3200" b="1" dirty="0" err="1">
+                <a:solidFill>
+                  <a:srgbClr val="FF0000"/>
+                </a:solidFill>
+                <a:latin typeface="Adobe Garamond Pro Bold" panose="02020702060506020403" pitchFamily="18" charset="0"/>
+              </a:rPr>
+              <a:t>ơng</a:t>
+            </a:r>
+            <a:r>
+              <a:rPr lang="en-US" sz="3200" b="1" dirty="0">
+                <a:solidFill>
+                  <a:srgbClr val="FF0000"/>
+                </a:solidFill>
+                <a:latin typeface="Adobe Garamond Pro Bold" panose="02020702060506020403" pitchFamily="18" charset="0"/>
+              </a:rPr>
+              <a:t> </a:t>
+            </a:r>
+            <a:r>
+              <a:rPr lang="en-US" sz="3200" b="1" dirty="0" err="1">
+                <a:solidFill>
+                  <a:srgbClr val="FF0000"/>
+                </a:solidFill>
+                <a:latin typeface="Adobe Garamond Pro Bold" panose="02020702060506020403" pitchFamily="18" charset="0"/>
+              </a:rPr>
+              <a:t>trình</a:t>
+            </a:r>
+            <a:endParaRPr lang="en-US" sz="3200" b="1" dirty="0">
+              <a:solidFill>
+                <a:srgbClr val="FF0000"/>
+              </a:solidFill>
+              <a:latin typeface="Adobe Garamond Pro Bold" panose="02020702060506020403" pitchFamily="18" charset="0"/>
+            </a:endParaRPr>
+          </a:p>
+        </p:txBody>
+      </p:sp>
+      <p:pic>
+        <p:nvPicPr>
+          <p:cNvPr id="4" name="Content Placeholder 3">
+            <a:extLst>
+              <a:ext uri="{FF2B5EF4-FFF2-40B4-BE49-F238E27FC236}">
+                <a16:creationId xmlns:a16="http://schemas.microsoft.com/office/drawing/2014/main" id="{92CC6F76-5727-4A3F-AEC2-A04F92EF5002}"/>
+              </a:ext>
+            </a:extLst>
+          </p:cNvPr>
+          <p:cNvPicPr>
+            <a:picLocks noGrp="1" noChangeAspect="1"/>
+          </p:cNvPicPr>
+          <p:nvPr>
+            <p:ph idx="1"/>
+          </p:nvPr>
+        </p:nvPicPr>
+        <p:blipFill>
+          <a:blip r:embed="rId2"/>
+          <a:stretch>
+            <a:fillRect/>
+          </a:stretch>
+        </p:blipFill>
+        <p:spPr>
+          <a:xfrm>
+            <a:off x="2231136" y="2638425"/>
+            <a:ext cx="7729727" cy="3819525"/>
+          </a:xfrm>
+          <a:prstGeom prst="rect">
+            <a:avLst/>
+          </a:prstGeom>
+        </p:spPr>
+      </p:pic>
+      <p:sp>
+        <p:nvSpPr>
+          <p:cNvPr id="5" name="Content Placeholder 2">
+            <a:extLst>
+              <a:ext uri="{FF2B5EF4-FFF2-40B4-BE49-F238E27FC236}">
+                <a16:creationId xmlns:a16="http://schemas.microsoft.com/office/drawing/2014/main" id="{1F7AD550-6F69-46A3-8B03-E605D8C14342}"/>
+              </a:ext>
+            </a:extLst>
+          </p:cNvPr>
+          <p:cNvSpPr txBox="1">
+            <a:spLocks/>
+          </p:cNvSpPr>
+          <p:nvPr/>
+        </p:nvSpPr>
+        <p:spPr>
+          <a:xfrm>
+            <a:off x="1" y="3171613"/>
+            <a:ext cx="2231136" cy="1188720"/>
+          </a:xfrm>
+          <a:prstGeom prst="rect">
+            <a:avLst/>
+          </a:prstGeom>
+        </p:spPr>
+        <p:txBody>
+          <a:bodyPr vert="horz" lIns="91440" tIns="45720" rIns="91440" bIns="45720" rtlCol="0">
+            <a:normAutofit/>
+          </a:bodyPr>
+          <a:lstStyle>
+            <a:lvl1pPr marL="228600" indent="-228600" algn="l" defTabSz="914400" rtl="0" eaLnBrk="1" latinLnBrk="0" hangingPunct="1">
+              <a:lnSpc>
+                <a:spcPct val="100000"/>
+              </a:lnSpc>
+              <a:spcBef>
+                <a:spcPts val="1000"/>
+              </a:spcBef>
+              <a:buClr>
+                <a:schemeClr val="accent2"/>
+              </a:buClr>
+              <a:buFont typeface="Arial" panose="020B0604020202020204" pitchFamily="34" charset="0"/>
+              <a:buChar char="•"/>
+              <a:defRPr sz="1800" kern="1200">
+                <a:solidFill>
+                  <a:schemeClr val="tx1">
+                    <a:lumMod val="85000"/>
+                    <a:lumOff val="15000"/>
+                  </a:schemeClr>
+                </a:solidFill>
+                <a:latin typeface="+mn-lt"/>
+                <a:ea typeface="+mn-ea"/>
+                <a:cs typeface="+mn-cs"/>
+              </a:defRPr>
+            </a:lvl1pPr>
+            <a:lvl2pPr marL="457200" indent="-228600" algn="l" defTabSz="914400" rtl="0" eaLnBrk="1" latinLnBrk="0" hangingPunct="1">
+              <a:lnSpc>
+                <a:spcPct val="100000"/>
+              </a:lnSpc>
+              <a:spcBef>
+                <a:spcPts val="1000"/>
+              </a:spcBef>
+              <a:buClr>
+                <a:schemeClr val="accent2"/>
+              </a:buClr>
+              <a:buFont typeface="Arial" panose="020B0604020202020204" pitchFamily="34" charset="0"/>
+              <a:buChar char="•"/>
+              <a:defRPr sz="1600" kern="1200">
+                <a:solidFill>
+                  <a:schemeClr val="tx1">
+                    <a:lumMod val="85000"/>
+                    <a:lumOff val="15000"/>
+                  </a:schemeClr>
+                </a:solidFill>
+                <a:latin typeface="+mn-lt"/>
+                <a:ea typeface="+mn-ea"/>
+                <a:cs typeface="+mn-cs"/>
+              </a:defRPr>
+            </a:lvl2pPr>
+            <a:lvl3pPr marL="685800" indent="-228600" algn="l" defTabSz="914400" rtl="0" eaLnBrk="1" latinLnBrk="0" hangingPunct="1">
+              <a:lnSpc>
+                <a:spcPct val="100000"/>
+              </a:lnSpc>
+              <a:spcBef>
+                <a:spcPts val="1000"/>
+              </a:spcBef>
+              <a:buClr>
+                <a:schemeClr val="accent2"/>
+              </a:buClr>
+              <a:buFont typeface="Arial" panose="020B0604020202020204" pitchFamily="34" charset="0"/>
+              <a:buChar char="•"/>
+              <a:defRPr sz="1600" kern="1200">
+                <a:solidFill>
+                  <a:schemeClr val="tx1">
+                    <a:lumMod val="85000"/>
+                    <a:lumOff val="15000"/>
+                  </a:schemeClr>
+                </a:solidFill>
+                <a:latin typeface="+mn-lt"/>
+                <a:ea typeface="+mn-ea"/>
+                <a:cs typeface="+mn-cs"/>
+              </a:defRPr>
+            </a:lvl3pPr>
+            <a:lvl4pPr marL="914400" indent="-228600" algn="l" defTabSz="914400" rtl="0" eaLnBrk="1" latinLnBrk="0" hangingPunct="1">
+              <a:lnSpc>
+                <a:spcPct val="100000"/>
+              </a:lnSpc>
+              <a:spcBef>
+                <a:spcPts val="1000"/>
+              </a:spcBef>
+              <a:buClr>
+                <a:schemeClr val="accent2"/>
+              </a:buClr>
+              <a:buFont typeface="Arial" panose="020B0604020202020204" pitchFamily="34" charset="0"/>
+              <a:buChar char="•"/>
+              <a:defRPr sz="1600" kern="1200">
+                <a:solidFill>
+                  <a:schemeClr val="tx1">
+                    <a:lumMod val="85000"/>
+                    <a:lumOff val="15000"/>
+                  </a:schemeClr>
+                </a:solidFill>
+                <a:latin typeface="+mn-lt"/>
+                <a:ea typeface="+mn-ea"/>
+                <a:cs typeface="+mn-cs"/>
+              </a:defRPr>
+            </a:lvl4pPr>
+            <a:lvl5pPr marL="1143000" indent="-228600" algn="l" defTabSz="914400" rtl="0" eaLnBrk="1" latinLnBrk="0" hangingPunct="1">
+              <a:lnSpc>
+                <a:spcPct val="100000"/>
+              </a:lnSpc>
+              <a:spcBef>
+                <a:spcPts val="1000"/>
+              </a:spcBef>
+              <a:buClr>
+                <a:schemeClr val="accent2"/>
+              </a:buClr>
+              <a:buFont typeface="Arial" panose="020B0604020202020204" pitchFamily="34" charset="0"/>
+              <a:buChar char="•"/>
+              <a:defRPr sz="1600" kern="1200">
+                <a:solidFill>
+                  <a:schemeClr val="tx1">
+                    <a:lumMod val="85000"/>
+                    <a:lumOff val="15000"/>
+                  </a:schemeClr>
+                </a:solidFill>
+                <a:latin typeface="+mn-lt"/>
+                <a:ea typeface="+mn-ea"/>
+                <a:cs typeface="+mn-cs"/>
+              </a:defRPr>
+            </a:lvl5pPr>
+            <a:lvl6pPr marL="1312863" indent="-228600" algn="l" defTabSz="914400" rtl="0" eaLnBrk="1" latinLnBrk="0" hangingPunct="1">
+              <a:lnSpc>
+                <a:spcPct val="100000"/>
+              </a:lnSpc>
+              <a:spcBef>
+                <a:spcPts val="1000"/>
+              </a:spcBef>
+              <a:buClr>
+                <a:schemeClr val="accent2"/>
+              </a:buClr>
+              <a:buFont typeface="Arial" panose="020B0604020202020204" pitchFamily="34" charset="0"/>
+              <a:buChar char="•"/>
+              <a:defRPr sz="1600" kern="1200">
+                <a:solidFill>
+                  <a:schemeClr val="tx1"/>
+                </a:solidFill>
+                <a:latin typeface="+mn-lt"/>
+                <a:ea typeface="+mn-ea"/>
+                <a:cs typeface="+mn-cs"/>
+              </a:defRPr>
+            </a:lvl6pPr>
+            <a:lvl7pPr marL="1484313" indent="-228600" algn="l" defTabSz="914400" rtl="0" eaLnBrk="1" latinLnBrk="0" hangingPunct="1">
+              <a:lnSpc>
+                <a:spcPct val="100000"/>
+              </a:lnSpc>
+              <a:spcBef>
+                <a:spcPts val="1000"/>
+              </a:spcBef>
+              <a:buClr>
+                <a:schemeClr val="accent2"/>
+              </a:buClr>
+              <a:buFont typeface="Arial" panose="020B0604020202020204" pitchFamily="34" charset="0"/>
+              <a:buChar char="•"/>
+              <a:defRPr sz="1600" kern="1200">
+                <a:solidFill>
+                  <a:schemeClr val="tx1"/>
+                </a:solidFill>
+                <a:latin typeface="+mn-lt"/>
+                <a:ea typeface="+mn-ea"/>
+                <a:cs typeface="+mn-cs"/>
+              </a:defRPr>
+            </a:lvl7pPr>
+            <a:lvl8pPr marL="1657350" indent="-228600" algn="l" defTabSz="914400" rtl="0" eaLnBrk="1" latinLnBrk="0" hangingPunct="1">
+              <a:lnSpc>
+                <a:spcPct val="100000"/>
+              </a:lnSpc>
+              <a:spcBef>
+                <a:spcPts val="1000"/>
+              </a:spcBef>
+              <a:buClr>
+                <a:schemeClr val="accent2"/>
+              </a:buClr>
+              <a:buFont typeface="Arial" panose="020B0604020202020204" pitchFamily="34" charset="0"/>
+              <a:buChar char="•"/>
+              <a:defRPr sz="1600" kern="1200" baseline="0">
+                <a:solidFill>
+                  <a:schemeClr val="tx1"/>
+                </a:solidFill>
+                <a:latin typeface="+mn-lt"/>
+                <a:ea typeface="+mn-ea"/>
+                <a:cs typeface="+mn-cs"/>
+              </a:defRPr>
+            </a:lvl8pPr>
+            <a:lvl9pPr marL="1882775" indent="-228600" algn="l" defTabSz="914400" rtl="0" eaLnBrk="1" latinLnBrk="0" hangingPunct="1">
+              <a:lnSpc>
+                <a:spcPct val="100000"/>
+              </a:lnSpc>
+              <a:spcBef>
+                <a:spcPts val="1000"/>
+              </a:spcBef>
+              <a:buClr>
+                <a:schemeClr val="accent2"/>
+              </a:buClr>
+              <a:buFont typeface="Arial" panose="020B0604020202020204" pitchFamily="34" charset="0"/>
+              <a:buChar char="•"/>
+              <a:defRPr sz="1600" kern="1200" baseline="0">
+                <a:solidFill>
+                  <a:schemeClr val="tx1"/>
+                </a:solidFill>
+                <a:latin typeface="+mn-lt"/>
+                <a:ea typeface="+mn-ea"/>
+                <a:cs typeface="+mn-cs"/>
+              </a:defRPr>
+            </a:lvl9pPr>
+          </a:lstStyle>
+          <a:p>
+            <a:r>
+              <a:rPr lang="en-US" dirty="0" err="1"/>
+              <a:t>Tra</a:t>
+            </a:r>
+            <a:r>
+              <a:rPr lang="en-US" dirty="0"/>
+              <a:t> </a:t>
+            </a:r>
+            <a:r>
+              <a:rPr lang="en-US" dirty="0" err="1"/>
+              <a:t>cứu</a:t>
+            </a:r>
+            <a:r>
+              <a:rPr lang="en-US" dirty="0"/>
+              <a:t> </a:t>
+            </a:r>
+            <a:r>
+              <a:rPr lang="en-US" dirty="0" err="1"/>
+              <a:t>thông</a:t>
+            </a:r>
+            <a:r>
+              <a:rPr lang="en-US" dirty="0"/>
+              <a:t> tin </a:t>
+            </a:r>
+            <a:r>
+              <a:rPr lang="en-US" dirty="0" err="1"/>
+              <a:t>cầu</a:t>
+            </a:r>
+            <a:r>
+              <a:rPr lang="en-US" dirty="0"/>
+              <a:t> </a:t>
+            </a:r>
+            <a:r>
+              <a:rPr lang="en-US" dirty="0" err="1"/>
+              <a:t>thủ</a:t>
+            </a:r>
+            <a:endParaRPr lang="en-US" dirty="0"/>
+          </a:p>
+        </p:txBody>
+      </p:sp>
+      <p:pic>
+        <p:nvPicPr>
+          <p:cNvPr id="6" name="Picture 5">
+            <a:extLst>
+              <a:ext uri="{FF2B5EF4-FFF2-40B4-BE49-F238E27FC236}">
+                <a16:creationId xmlns:a16="http://schemas.microsoft.com/office/drawing/2014/main" id="{85CC2235-EDA6-4442-A066-ACBD220959FD}"/>
+              </a:ext>
+            </a:extLst>
+          </p:cNvPr>
+          <p:cNvPicPr>
+            <a:picLocks noChangeAspect="1"/>
+          </p:cNvPicPr>
+          <p:nvPr/>
+        </p:nvPicPr>
+        <p:blipFill>
+          <a:blip r:embed="rId3">
+            <a:extLst>
+              <a:ext uri="{28A0092B-C50C-407E-A947-70E740481C1C}">
+                <a14:useLocalDpi xmlns:a14="http://schemas.microsoft.com/office/drawing/2010/main" val="0"/>
+              </a:ext>
+            </a:extLst>
+          </a:blip>
+          <a:stretch>
+            <a:fillRect/>
+          </a:stretch>
+        </p:blipFill>
+        <p:spPr>
+          <a:xfrm>
+            <a:off x="1" y="1"/>
+            <a:ext cx="2809600" cy="1543050"/>
+          </a:xfrm>
+          <a:prstGeom prst="rect">
+            <a:avLst/>
+          </a:prstGeom>
+        </p:spPr>
+      </p:pic>
+      <p:sp>
+        <p:nvSpPr>
+          <p:cNvPr id="3" name="TextBox 2">
+            <a:extLst>
+              <a:ext uri="{FF2B5EF4-FFF2-40B4-BE49-F238E27FC236}">
+                <a16:creationId xmlns:a16="http://schemas.microsoft.com/office/drawing/2014/main" id="{9C7F28D3-B0CB-43EA-BD84-F363E4F07617}"/>
+              </a:ext>
+            </a:extLst>
+          </p:cNvPr>
+          <p:cNvSpPr txBox="1"/>
+          <p:nvPr/>
+        </p:nvSpPr>
+        <p:spPr>
+          <a:xfrm>
+            <a:off x="10404629" y="2352583"/>
+            <a:ext cx="1216241" cy="1477328"/>
+          </a:xfrm>
+          <a:prstGeom prst="rect">
+            <a:avLst/>
+          </a:prstGeom>
+          <a:noFill/>
+        </p:spPr>
+        <p:txBody>
+          <a:bodyPr wrap="square" rtlCol="0">
+            <a:spAutoFit/>
+          </a:bodyPr>
+          <a:lstStyle/>
+          <a:p>
+            <a:r>
+              <a:rPr lang="en-US" dirty="0" err="1"/>
+              <a:t>Nhấn</a:t>
+            </a:r>
+            <a:r>
+              <a:rPr lang="en-US" dirty="0"/>
+              <a:t> </a:t>
+            </a:r>
+            <a:r>
+              <a:rPr lang="en-US" dirty="0" err="1"/>
+              <a:t>vào</a:t>
+            </a:r>
+            <a:endParaRPr lang="en-US" dirty="0"/>
+          </a:p>
+          <a:p>
+            <a:r>
+              <a:rPr lang="en-US" dirty="0" err="1"/>
+              <a:t>hàng</a:t>
+            </a:r>
+            <a:r>
+              <a:rPr lang="en-US" dirty="0"/>
+              <a:t> </a:t>
+            </a:r>
+            <a:r>
+              <a:rPr lang="en-US" dirty="0" err="1"/>
+              <a:t>cầu</a:t>
+            </a:r>
+            <a:r>
+              <a:rPr lang="en-US" dirty="0"/>
+              <a:t> </a:t>
+            </a:r>
+            <a:r>
+              <a:rPr lang="en-US" dirty="0" err="1"/>
+              <a:t>thủ</a:t>
+            </a:r>
+            <a:r>
+              <a:rPr lang="en-US" dirty="0"/>
+              <a:t> </a:t>
+            </a:r>
+            <a:r>
+              <a:rPr lang="en-US" dirty="0" err="1"/>
+              <a:t>cần</a:t>
+            </a:r>
+            <a:r>
+              <a:rPr lang="en-US" dirty="0"/>
+              <a:t> </a:t>
+            </a:r>
+            <a:r>
+              <a:rPr lang="en-US" dirty="0" err="1"/>
+              <a:t>xem</a:t>
+            </a:r>
+            <a:r>
+              <a:rPr lang="en-US" dirty="0"/>
+              <a:t> </a:t>
+            </a:r>
+            <a:r>
+              <a:rPr lang="en-US" dirty="0" err="1"/>
+              <a:t>thông</a:t>
+            </a:r>
+            <a:r>
+              <a:rPr lang="en-US" dirty="0"/>
+              <a:t> tin</a:t>
+            </a:r>
+          </a:p>
+        </p:txBody>
+      </p:sp>
+      <p:cxnSp>
+        <p:nvCxnSpPr>
+          <p:cNvPr id="8" name="Straight Arrow Connector 7">
+            <a:extLst>
+              <a:ext uri="{FF2B5EF4-FFF2-40B4-BE49-F238E27FC236}">
+                <a16:creationId xmlns:a16="http://schemas.microsoft.com/office/drawing/2014/main" id="{1A12B762-113D-446C-BF8F-84523B8E78D8}"/>
+              </a:ext>
+            </a:extLst>
+          </p:cNvPr>
+          <p:cNvCxnSpPr/>
+          <p:nvPr/>
+        </p:nvCxnSpPr>
+        <p:spPr>
+          <a:xfrm flipH="1">
+            <a:off x="7936637" y="3240350"/>
+            <a:ext cx="2467992" cy="589561"/>
+          </a:xfrm>
+          <a:prstGeom prst="straightConnector1">
+            <a:avLst/>
+          </a:prstGeom>
+          <a:ln>
+            <a:solidFill>
+              <a:schemeClr val="tx1"/>
+            </a:solidFill>
+            <a:tailEnd type="triangle"/>
+          </a:ln>
+        </p:spPr>
+        <p:style>
+          <a:lnRef idx="1">
+            <a:schemeClr val="accent1"/>
+          </a:lnRef>
+          <a:fillRef idx="0">
+            <a:schemeClr val="accent1"/>
+          </a:fillRef>
+          <a:effectRef idx="0">
+            <a:schemeClr val="accent1"/>
+          </a:effectRef>
+          <a:fontRef idx="minor">
+            <a:schemeClr val="tx1"/>
+          </a:fontRef>
+        </p:style>
+      </p:cxnSp>
+      <p:sp>
+        <p:nvSpPr>
+          <p:cNvPr id="9" name="TextBox 8">
+            <a:extLst>
+              <a:ext uri="{FF2B5EF4-FFF2-40B4-BE49-F238E27FC236}">
+                <a16:creationId xmlns:a16="http://schemas.microsoft.com/office/drawing/2014/main" id="{37741AFF-1A6C-4B01-95B2-B409340E0B1C}"/>
+              </a:ext>
+            </a:extLst>
+          </p:cNvPr>
+          <p:cNvSpPr txBox="1"/>
+          <p:nvPr/>
+        </p:nvSpPr>
+        <p:spPr>
+          <a:xfrm>
+            <a:off x="10404629" y="4429957"/>
+            <a:ext cx="1606858" cy="1200329"/>
+          </a:xfrm>
+          <a:prstGeom prst="rect">
+            <a:avLst/>
+          </a:prstGeom>
+          <a:noFill/>
+        </p:spPr>
+        <p:txBody>
+          <a:bodyPr wrap="square" rtlCol="0">
+            <a:spAutoFit/>
+          </a:bodyPr>
+          <a:lstStyle/>
+          <a:p>
+            <a:r>
+              <a:rPr lang="en-US" dirty="0" err="1"/>
+              <a:t>Nhập</a:t>
+            </a:r>
+            <a:r>
+              <a:rPr lang="en-US" dirty="0"/>
+              <a:t> </a:t>
+            </a:r>
+            <a:r>
+              <a:rPr lang="en-US" dirty="0" err="1"/>
+              <a:t>tên,Chọn</a:t>
+            </a:r>
+            <a:r>
+              <a:rPr lang="en-US" dirty="0"/>
+              <a:t> </a:t>
+            </a:r>
+            <a:r>
+              <a:rPr lang="en-US" dirty="0" err="1"/>
+              <a:t>CLB,Vị</a:t>
+            </a:r>
+            <a:r>
+              <a:rPr lang="en-US" dirty="0"/>
+              <a:t> </a:t>
+            </a:r>
+            <a:r>
+              <a:rPr lang="en-US" dirty="0" err="1"/>
+              <a:t>trí</a:t>
+            </a:r>
+            <a:r>
+              <a:rPr lang="en-US" dirty="0"/>
+              <a:t> </a:t>
+            </a:r>
+            <a:r>
+              <a:rPr lang="en-US" dirty="0" err="1"/>
+              <a:t>để</a:t>
+            </a:r>
+            <a:r>
+              <a:rPr lang="en-US" dirty="0"/>
+              <a:t> </a:t>
+            </a:r>
+            <a:r>
+              <a:rPr lang="en-US" dirty="0" err="1"/>
+              <a:t>tìm</a:t>
+            </a:r>
+            <a:r>
+              <a:rPr lang="en-US" dirty="0"/>
+              <a:t> </a:t>
+            </a:r>
+            <a:r>
+              <a:rPr lang="en-US" dirty="0" err="1"/>
+              <a:t>kiếm</a:t>
+            </a:r>
+            <a:endParaRPr lang="en-US" dirty="0"/>
+          </a:p>
+        </p:txBody>
+      </p:sp>
+      <p:cxnSp>
+        <p:nvCxnSpPr>
+          <p:cNvPr id="11" name="Straight Arrow Connector 10">
+            <a:extLst>
+              <a:ext uri="{FF2B5EF4-FFF2-40B4-BE49-F238E27FC236}">
+                <a16:creationId xmlns:a16="http://schemas.microsoft.com/office/drawing/2014/main" id="{483D30AF-46FE-42B4-9643-1D6E06A2ED62}"/>
+              </a:ext>
+            </a:extLst>
+          </p:cNvPr>
+          <p:cNvCxnSpPr/>
+          <p:nvPr/>
+        </p:nvCxnSpPr>
+        <p:spPr>
+          <a:xfrm flipH="1" flipV="1">
+            <a:off x="8123068" y="3240350"/>
+            <a:ext cx="2281561" cy="1349405"/>
+          </a:xfrm>
+          <a:prstGeom prst="straightConnector1">
+            <a:avLst/>
+          </a:prstGeom>
+          <a:ln>
+            <a:solidFill>
+              <a:schemeClr val="tx1"/>
+            </a:solidFill>
+            <a:tailEnd type="triangle"/>
+          </a:ln>
+        </p:spPr>
+        <p:style>
+          <a:lnRef idx="1">
+            <a:schemeClr val="accent1"/>
+          </a:lnRef>
+          <a:fillRef idx="0">
+            <a:schemeClr val="accent1"/>
+          </a:fillRef>
+          <a:effectRef idx="0">
+            <a:schemeClr val="accent1"/>
+          </a:effectRef>
+          <a:fontRef idx="minor">
+            <a:schemeClr val="tx1"/>
+          </a:fontRef>
+        </p:style>
+      </p:cxnSp>
+    </p:spTree>
+    <p:extLst>
+      <p:ext uri="{BB962C8B-B14F-4D97-AF65-F5344CB8AC3E}">
+        <p14:creationId xmlns:p14="http://schemas.microsoft.com/office/powerpoint/2010/main" val="378051803"/>
+      </p:ext>
+    </p:extLst>
+  </p:cSld>
+  <p:clrMapOvr>
+    <a:masterClrMapping/>
+  </p:clrMapOvr>
+</p:sld>
+</file>
+
+<file path=ppt/slides/slide11.xml><?xml version="1.0" encoding="utf-8"?>
+<p:sld xmlns:a="http://schemas.openxmlformats.org/drawingml/2006/main" xmlns:r="http://schemas.openxmlformats.org/officeDocument/2006/relationships" xmlns:p="http://schemas.openxmlformats.org/presentationml/2006/main">
+  <p:cSld>
+    <p:spTree>
+      <p:nvGrpSpPr>
+        <p:cNvPr id="1" name=""/>
+        <p:cNvGrpSpPr/>
+        <p:nvPr/>
+      </p:nvGrpSpPr>
+      <p:grpSpPr>
+        <a:xfrm>
+          <a:off x="0" y="0"/>
+          <a:ext cx="0" cy="0"/>
+          <a:chOff x="0" y="0"/>
+          <a:chExt cx="0" cy="0"/>
+        </a:xfrm>
+      </p:grpSpPr>
+      <p:sp>
+        <p:nvSpPr>
+          <p:cNvPr id="2" name="Title 1">
+            <a:extLst>
+              <a:ext uri="{FF2B5EF4-FFF2-40B4-BE49-F238E27FC236}">
                 <a16:creationId xmlns:a16="http://schemas.microsoft.com/office/drawing/2014/main" id="{1CDE4D19-FC1F-4AC3-85C1-78D1313C1909}"/>
               </a:ext>
             </a:extLst>
@@ -4323,6 +5073,228 @@
           </a:prstGeom>
         </p:spPr>
       </p:pic>
+      <p:sp>
+        <p:nvSpPr>
+          <p:cNvPr id="3" name="TextBox 2">
+            <a:extLst>
+              <a:ext uri="{FF2B5EF4-FFF2-40B4-BE49-F238E27FC236}">
+                <a16:creationId xmlns:a16="http://schemas.microsoft.com/office/drawing/2014/main" id="{42EF2022-BA19-4E70-92E2-38B6229FBDF4}"/>
+              </a:ext>
+            </a:extLst>
+          </p:cNvPr>
+          <p:cNvSpPr txBox="1"/>
+          <p:nvPr/>
+        </p:nvSpPr>
+        <p:spPr>
+          <a:xfrm>
+            <a:off x="9428085" y="2902998"/>
+            <a:ext cx="2494626" cy="646331"/>
+          </a:xfrm>
+          <a:prstGeom prst="rect">
+            <a:avLst/>
+          </a:prstGeom>
+          <a:noFill/>
+        </p:spPr>
+        <p:txBody>
+          <a:bodyPr wrap="square" rtlCol="0">
+            <a:spAutoFit/>
+          </a:bodyPr>
+          <a:lstStyle/>
+          <a:p>
+            <a:r>
+              <a:rPr lang="en-US" dirty="0" err="1"/>
+              <a:t>Nhập</a:t>
+            </a:r>
+            <a:r>
+              <a:rPr lang="en-US" dirty="0"/>
+              <a:t> </a:t>
+            </a:r>
+            <a:r>
+              <a:rPr lang="en-US" dirty="0" err="1"/>
+              <a:t>tên</a:t>
+            </a:r>
+            <a:r>
+              <a:rPr lang="en-US" dirty="0"/>
+              <a:t> </a:t>
+            </a:r>
+            <a:r>
+              <a:rPr lang="en-US" dirty="0" err="1"/>
+              <a:t>cầu</a:t>
+            </a:r>
+            <a:r>
+              <a:rPr lang="en-US" dirty="0"/>
+              <a:t> </a:t>
+            </a:r>
+            <a:r>
+              <a:rPr lang="en-US" dirty="0" err="1"/>
+              <a:t>thủ</a:t>
+            </a:r>
+            <a:r>
+              <a:rPr lang="en-US" dirty="0"/>
+              <a:t> </a:t>
+            </a:r>
+            <a:r>
+              <a:rPr lang="en-US" dirty="0" err="1"/>
+              <a:t>ghi</a:t>
+            </a:r>
+            <a:r>
+              <a:rPr lang="en-US" dirty="0"/>
+              <a:t> </a:t>
+            </a:r>
+            <a:r>
+              <a:rPr lang="en-US" dirty="0" err="1"/>
+              <a:t>bàn</a:t>
+            </a:r>
+            <a:endParaRPr lang="en-US" dirty="0"/>
+          </a:p>
+        </p:txBody>
+      </p:sp>
+      <p:cxnSp>
+        <p:nvCxnSpPr>
+          <p:cNvPr id="9" name="Straight Arrow Connector 8">
+            <a:extLst>
+              <a:ext uri="{FF2B5EF4-FFF2-40B4-BE49-F238E27FC236}">
+                <a16:creationId xmlns:a16="http://schemas.microsoft.com/office/drawing/2014/main" id="{6059871C-AAB9-4E05-A230-A0CBC312C3B0}"/>
+              </a:ext>
+            </a:extLst>
+          </p:cNvPr>
+          <p:cNvCxnSpPr/>
+          <p:nvPr/>
+        </p:nvCxnSpPr>
+        <p:spPr>
+          <a:xfrm flipH="1">
+            <a:off x="7936637" y="3116062"/>
+            <a:ext cx="1722268" cy="1518082"/>
+          </a:xfrm>
+          <a:prstGeom prst="straightConnector1">
+            <a:avLst/>
+          </a:prstGeom>
+          <a:ln>
+            <a:solidFill>
+              <a:schemeClr val="tx1"/>
+            </a:solidFill>
+            <a:tailEnd type="triangle"/>
+          </a:ln>
+        </p:spPr>
+        <p:style>
+          <a:lnRef idx="1">
+            <a:schemeClr val="accent1"/>
+          </a:lnRef>
+          <a:fillRef idx="0">
+            <a:schemeClr val="accent1"/>
+          </a:fillRef>
+          <a:effectRef idx="0">
+            <a:schemeClr val="accent1"/>
+          </a:effectRef>
+          <a:fontRef idx="minor">
+            <a:schemeClr val="tx1"/>
+          </a:fontRef>
+        </p:style>
+      </p:cxnSp>
+      <p:sp>
+        <p:nvSpPr>
+          <p:cNvPr id="10" name="TextBox 9">
+            <a:extLst>
+              <a:ext uri="{FF2B5EF4-FFF2-40B4-BE49-F238E27FC236}">
+                <a16:creationId xmlns:a16="http://schemas.microsoft.com/office/drawing/2014/main" id="{76254BB6-E25C-4676-BD37-627BF90E0972}"/>
+              </a:ext>
+            </a:extLst>
+          </p:cNvPr>
+          <p:cNvSpPr txBox="1"/>
+          <p:nvPr/>
+        </p:nvSpPr>
+        <p:spPr>
+          <a:xfrm>
+            <a:off x="9552373" y="4287915"/>
+            <a:ext cx="2130641" cy="369332"/>
+          </a:xfrm>
+          <a:prstGeom prst="rect">
+            <a:avLst/>
+          </a:prstGeom>
+          <a:noFill/>
+        </p:spPr>
+        <p:txBody>
+          <a:bodyPr wrap="square" rtlCol="0">
+            <a:spAutoFit/>
+          </a:bodyPr>
+          <a:lstStyle/>
+          <a:p>
+            <a:r>
+              <a:rPr lang="en-US" dirty="0" err="1"/>
+              <a:t>Tỉ</a:t>
+            </a:r>
+            <a:r>
+              <a:rPr lang="en-US" dirty="0"/>
+              <a:t> </a:t>
+            </a:r>
+            <a:r>
+              <a:rPr lang="en-US" dirty="0" err="1"/>
+              <a:t>số</a:t>
+            </a:r>
+            <a:r>
+              <a:rPr lang="en-US" dirty="0"/>
+              <a:t> </a:t>
+            </a:r>
+            <a:r>
+              <a:rPr lang="en-US" dirty="0" err="1"/>
+              <a:t>trận</a:t>
+            </a:r>
+            <a:r>
+              <a:rPr lang="en-US" dirty="0"/>
+              <a:t> </a:t>
+            </a:r>
+            <a:r>
+              <a:rPr lang="en-US" dirty="0" err="1"/>
+              <a:t>đấu</a:t>
+            </a:r>
+            <a:endParaRPr lang="en-US" dirty="0"/>
+          </a:p>
+        </p:txBody>
+      </p:sp>
+      <p:cxnSp>
+        <p:nvCxnSpPr>
+          <p:cNvPr id="12" name="Straight Arrow Connector 11">
+            <a:extLst>
+              <a:ext uri="{FF2B5EF4-FFF2-40B4-BE49-F238E27FC236}">
+                <a16:creationId xmlns:a16="http://schemas.microsoft.com/office/drawing/2014/main" id="{463C374E-240D-4C1F-9B36-76D265940B1A}"/>
+              </a:ext>
+            </a:extLst>
+          </p:cNvPr>
+          <p:cNvCxnSpPr>
+            <a:stCxn id="10" idx="1"/>
+          </p:cNvCxnSpPr>
+          <p:nvPr/>
+        </p:nvCxnSpPr>
+        <p:spPr>
+          <a:xfrm flipH="1" flipV="1">
+            <a:off x="7066625" y="4065973"/>
+            <a:ext cx="2485748" cy="406608"/>
+          </a:xfrm>
+          <a:prstGeom prst="straightConnector1">
+            <a:avLst/>
+          </a:prstGeom>
+          <a:ln>
+            <a:solidFill>
+              <a:schemeClr val="tx1"/>
+            </a:solidFill>
+            <a:tailEnd type="triangle"/>
+          </a:ln>
+        </p:spPr>
+        <p:style>
+          <a:lnRef idx="1">
+            <a:schemeClr val="accent1"/>
+          </a:lnRef>
+          <a:fillRef idx="0">
+            <a:schemeClr val="accent1"/>
+          </a:fillRef>
+          <a:effectRef idx="0">
+            <a:schemeClr val="accent1"/>
+          </a:effectRef>
+          <a:fontRef idx="minor">
+            <a:schemeClr val="tx1"/>
+          </a:fontRef>
+        </p:style>
+      </p:cxnSp>
     </p:spTree>
     <p:extLst>
       <p:ext uri="{BB962C8B-B14F-4D97-AF65-F5344CB8AC3E}">
@@ -4336,7 +5308,7 @@
 </p:sld>
 </file>
 
-<file path=ppt/slides/slide11.xml><?xml version="1.0" encoding="utf-8"?>
+<file path=ppt/slides/slide12.xml><?xml version="1.0" encoding="utf-8"?>
 <p:sld xmlns:a="http://schemas.openxmlformats.org/drawingml/2006/main" xmlns:r="http://schemas.openxmlformats.org/officeDocument/2006/relationships" xmlns:p="http://schemas.openxmlformats.org/presentationml/2006/main">
   <p:cSld>
     <p:spTree>
@@ -4805,7 +5777,7 @@
 </p:sld>
 </file>
 
-<file path=ppt/slides/slide12.xml><?xml version="1.0" encoding="utf-8"?>
+<file path=ppt/slides/slide13.xml><?xml version="1.0" encoding="utf-8"?>
 <p:sld xmlns:a="http://schemas.openxmlformats.org/drawingml/2006/main" xmlns:r="http://schemas.openxmlformats.org/officeDocument/2006/relationships" xmlns:p="http://schemas.openxmlformats.org/presentationml/2006/main">
   <p:cSld>
     <p:spTree>
@@ -5752,7 +6724,7 @@
 </p:sld>
 </file>
 
-<file path=ppt/slides/slide13.xml><?xml version="1.0" encoding="utf-8"?>
+<file path=ppt/slides/slide14.xml><?xml version="1.0" encoding="utf-8"?>
 <p:sld xmlns:a="http://schemas.openxmlformats.org/drawingml/2006/main" xmlns:r="http://schemas.openxmlformats.org/officeDocument/2006/relationships" xmlns:p="http://schemas.openxmlformats.org/presentationml/2006/main">
   <p:cSld>
     <p:spTree>
@@ -6130,7 +7102,7 @@
 </p:sld>
 </file>
 
-<file path=ppt/slides/slide14.xml><?xml version="1.0" encoding="utf-8"?>
+<file path=ppt/slides/slide15.xml><?xml version="1.0" encoding="utf-8"?>
 <p:sld xmlns:a="http://schemas.openxmlformats.org/drawingml/2006/main" xmlns:r="http://schemas.openxmlformats.org/officeDocument/2006/relationships" xmlns:p="http://schemas.openxmlformats.org/presentationml/2006/main">
   <p:cSld>
     <p:spTree>
@@ -8965,7 +9937,7 @@
         </p:blipFill>
         <p:spPr>
           <a:xfrm>
-            <a:off x="1" y="1"/>
+            <a:off x="1" y="-8877"/>
             <a:ext cx="2809600" cy="1543050"/>
           </a:xfrm>
           <a:prstGeom prst="rect">
@@ -8987,6 +9959,220 @@
 </file>
 
 <file path=ppt/slides/slide7.xml><?xml version="1.0" encoding="utf-8"?>
+<p:sld xmlns:a="http://schemas.openxmlformats.org/drawingml/2006/main" xmlns:r="http://schemas.openxmlformats.org/officeDocument/2006/relationships" xmlns:p="http://schemas.openxmlformats.org/presentationml/2006/main">
+  <p:cSld>
+    <p:spTree>
+      <p:nvGrpSpPr>
+        <p:cNvPr id="1" name=""/>
+        <p:cNvGrpSpPr/>
+        <p:nvPr/>
+      </p:nvGrpSpPr>
+      <p:grpSpPr>
+        <a:xfrm>
+          <a:off x="0" y="0"/>
+          <a:ext cx="0" cy="0"/>
+          <a:chOff x="0" y="0"/>
+          <a:chExt cx="0" cy="0"/>
+        </a:xfrm>
+      </p:grpSpPr>
+      <p:sp>
+        <p:nvSpPr>
+          <p:cNvPr id="2" name="Title 1">
+            <a:extLst>
+              <a:ext uri="{FF2B5EF4-FFF2-40B4-BE49-F238E27FC236}">
+                <a16:creationId xmlns:a16="http://schemas.microsoft.com/office/drawing/2014/main" id="{F6510140-A615-4FEE-9C74-7647DCACF7E0}"/>
+              </a:ext>
+            </a:extLst>
+          </p:cNvPr>
+          <p:cNvSpPr>
+            <a:spLocks noGrp="1"/>
+          </p:cNvSpPr>
+          <p:nvPr>
+            <p:ph type="title"/>
+          </p:nvPr>
+        </p:nvSpPr>
+        <p:spPr/>
+        <p:txBody>
+          <a:bodyPr/>
+          <a:lstStyle/>
+          <a:p>
+            <a:r>
+              <a:rPr lang="en-US" b="1" dirty="0" err="1">
+                <a:solidFill>
+                  <a:srgbClr val="FF0000"/>
+                </a:solidFill>
+                <a:latin typeface="Adobe Garamond Pro Bold" panose="02020702060506020403" pitchFamily="18" charset="0"/>
+              </a:rPr>
+              <a:t>Cơ</a:t>
+            </a:r>
+            <a:r>
+              <a:rPr lang="en-US" b="1" dirty="0">
+                <a:solidFill>
+                  <a:srgbClr val="FF0000"/>
+                </a:solidFill>
+                <a:latin typeface="Adobe Garamond Pro Bold" panose="02020702060506020403" pitchFamily="18" charset="0"/>
+              </a:rPr>
+              <a:t> </a:t>
+            </a:r>
+            <a:r>
+              <a:rPr lang="en-US" b="1" dirty="0" err="1">
+                <a:solidFill>
+                  <a:srgbClr val="FF0000"/>
+                </a:solidFill>
+                <a:latin typeface="Adobe Garamond Pro Bold" panose="02020702060506020403" pitchFamily="18" charset="0"/>
+              </a:rPr>
+              <a:t>sở</a:t>
+            </a:r>
+            <a:r>
+              <a:rPr lang="en-US" b="1" dirty="0">
+                <a:solidFill>
+                  <a:srgbClr val="FF0000"/>
+                </a:solidFill>
+                <a:latin typeface="Adobe Garamond Pro Bold" panose="02020702060506020403" pitchFamily="18" charset="0"/>
+              </a:rPr>
+              <a:t> </a:t>
+            </a:r>
+            <a:r>
+              <a:rPr lang="en-US" b="1" dirty="0" err="1">
+                <a:solidFill>
+                  <a:srgbClr val="FF0000"/>
+                </a:solidFill>
+                <a:latin typeface="Adobe Garamond Pro Bold" panose="02020702060506020403" pitchFamily="18" charset="0"/>
+              </a:rPr>
+              <a:t>dữ</a:t>
+            </a:r>
+            <a:r>
+              <a:rPr lang="en-US" b="1" dirty="0">
+                <a:solidFill>
+                  <a:srgbClr val="FF0000"/>
+                </a:solidFill>
+                <a:latin typeface="Adobe Garamond Pro Bold" panose="02020702060506020403" pitchFamily="18" charset="0"/>
+              </a:rPr>
+              <a:t> </a:t>
+            </a:r>
+            <a:r>
+              <a:rPr lang="en-US" b="1" dirty="0" err="1">
+                <a:solidFill>
+                  <a:srgbClr val="FF0000"/>
+                </a:solidFill>
+                <a:latin typeface="Adobe Garamond Pro Bold" panose="02020702060506020403" pitchFamily="18" charset="0"/>
+              </a:rPr>
+              <a:t>liệu</a:t>
+            </a:r>
+            <a:endParaRPr lang="en-US" dirty="0"/>
+          </a:p>
+        </p:txBody>
+      </p:sp>
+      <p:pic>
+        <p:nvPicPr>
+          <p:cNvPr id="4" name="Picture 3">
+            <a:extLst>
+              <a:ext uri="{FF2B5EF4-FFF2-40B4-BE49-F238E27FC236}">
+                <a16:creationId xmlns:a16="http://schemas.microsoft.com/office/drawing/2014/main" id="{B049E614-2101-4408-9AF5-DF74DE84831C}"/>
+              </a:ext>
+            </a:extLst>
+          </p:cNvPr>
+          <p:cNvPicPr>
+            <a:picLocks noChangeAspect="1"/>
+          </p:cNvPicPr>
+          <p:nvPr/>
+        </p:nvPicPr>
+        <p:blipFill>
+          <a:blip r:embed="rId2">
+            <a:extLst>
+              <a:ext uri="{28A0092B-C50C-407E-A947-70E740481C1C}">
+                <a14:useLocalDpi xmlns:a14="http://schemas.microsoft.com/office/drawing/2010/main" val="0"/>
+              </a:ext>
+            </a:extLst>
+          </a:blip>
+          <a:stretch>
+            <a:fillRect/>
+          </a:stretch>
+        </p:blipFill>
+        <p:spPr>
+          <a:xfrm>
+            <a:off x="1" y="-8877"/>
+            <a:ext cx="2809600" cy="1543050"/>
+          </a:xfrm>
+          <a:prstGeom prst="rect">
+            <a:avLst/>
+          </a:prstGeom>
+        </p:spPr>
+      </p:pic>
+      <p:pic>
+        <p:nvPicPr>
+          <p:cNvPr id="1027" name="Picture 3" descr="sql">
+            <a:extLst>
+              <a:ext uri="{FF2B5EF4-FFF2-40B4-BE49-F238E27FC236}">
+                <a16:creationId xmlns:a16="http://schemas.microsoft.com/office/drawing/2014/main" id="{29D4D5F9-D3BD-4E69-A99A-E2CDC8880FB7}"/>
+              </a:ext>
+            </a:extLst>
+          </p:cNvPr>
+          <p:cNvPicPr>
+            <a:picLocks noChangeAspect="1" noChangeArrowheads="1"/>
+          </p:cNvPicPr>
+          <p:nvPr/>
+        </p:nvPicPr>
+        <p:blipFill>
+          <a:blip r:embed="rId3">
+            <a:extLst>
+              <a:ext uri="{28A0092B-C50C-407E-A947-70E740481C1C}">
+                <a14:useLocalDpi xmlns:a14="http://schemas.microsoft.com/office/drawing/2010/main" val="0"/>
+              </a:ext>
+            </a:extLst>
+          </a:blip>
+          <a:srcRect/>
+          <a:stretch>
+            <a:fillRect/>
+          </a:stretch>
+        </p:blipFill>
+        <p:spPr bwMode="auto">
+          <a:xfrm>
+            <a:off x="2231136" y="2353302"/>
+            <a:ext cx="7729728" cy="4189541"/>
+          </a:xfrm>
+          <a:prstGeom prst="rect">
+            <a:avLst/>
+          </a:prstGeom>
+          <a:noFill/>
+          <a:ln>
+            <a:noFill/>
+          </a:ln>
+          <a:extLst>
+            <a:ext uri="{909E8E84-426E-40DD-AFC4-6F175D3DCCD1}">
+              <a14:hiddenFill xmlns:a14="http://schemas.microsoft.com/office/drawing/2010/main">
+                <a:solidFill>
+                  <a:srgbClr val="FFFFFF"/>
+                </a:solidFill>
+              </a14:hiddenFill>
+            </a:ext>
+            <a:ext uri="{91240B29-F687-4F45-9708-019B960494DF}">
+              <a14:hiddenLine xmlns:a14="http://schemas.microsoft.com/office/drawing/2010/main" w="9525">
+                <a:solidFill>
+                  <a:srgbClr val="000000"/>
+                </a:solidFill>
+                <a:miter lim="800000"/>
+                <a:headEnd/>
+                <a:tailEnd/>
+              </a14:hiddenLine>
+            </a:ext>
+          </a:extLst>
+        </p:spPr>
+      </p:pic>
+    </p:spTree>
+    <p:extLst>
+      <p:ext uri="{BB962C8B-B14F-4D97-AF65-F5344CB8AC3E}">
+        <p14:creationId xmlns:p14="http://schemas.microsoft.com/office/powerpoint/2010/main" val="371325502"/>
+      </p:ext>
+    </p:extLst>
+  </p:cSld>
+  <p:clrMapOvr>
+    <a:masterClrMapping/>
+  </p:clrMapOvr>
+</p:sld>
+</file>
+
+<file path=ppt/slides/slide8.xml><?xml version="1.0" encoding="utf-8"?>
 <p:sld xmlns:a="http://schemas.openxmlformats.org/drawingml/2006/main" xmlns:r="http://schemas.openxmlformats.org/officeDocument/2006/relationships" xmlns:p="http://schemas.openxmlformats.org/presentationml/2006/main">
   <p:cSld>
     <p:spTree>
@@ -9465,7 +10651,7 @@
 </p:sld>
 </file>
 
-<file path=ppt/slides/slide8.xml><?xml version="1.0" encoding="utf-8"?>
+<file path=ppt/slides/slide9.xml><?xml version="1.0" encoding="utf-8"?>
 <p:sld xmlns:a="http://schemas.openxmlformats.org/drawingml/2006/main" xmlns:r="http://schemas.openxmlformats.org/officeDocument/2006/relationships" xmlns:p="http://schemas.openxmlformats.org/presentationml/2006/main">
   <p:cSld>
     <p:spTree>
@@ -9649,7 +10835,7 @@
         </p:spPr>
         <p:txBody>
           <a:bodyPr vert="horz" lIns="91440" tIns="45720" rIns="91440" bIns="45720" rtlCol="0">
-            <a:normAutofit/>
+            <a:noAutofit/>
           </a:bodyPr>
           <a:lstStyle>
             <a:lvl1pPr marL="228600" indent="-228600" algn="l" defTabSz="914400" rtl="0" eaLnBrk="1" latinLnBrk="0" hangingPunct="1">
@@ -9859,26 +11045,26 @@
           </a:lstStyle>
           <a:p>
             <a:r>
-              <a:rPr lang="en-US" dirty="0" err="1"/>
+              <a:rPr lang="en-US" sz="2000" b="1" dirty="0" err="1"/>
               <a:t>Giao</a:t>
             </a:r>
             <a:r>
-              <a:rPr lang="en-US" dirty="0"/>
-              <a:t> </a:t>
-            </a:r>
-            <a:r>
-              <a:rPr lang="en-US" dirty="0" err="1"/>
+              <a:rPr lang="en-US" sz="2000" b="1" dirty="0"/>
+              <a:t> </a:t>
+            </a:r>
+            <a:r>
+              <a:rPr lang="en-US" sz="2000" b="1" dirty="0" err="1"/>
               <a:t>diện</a:t>
             </a:r>
             <a:r>
-              <a:rPr lang="en-US" dirty="0"/>
-              <a:t> </a:t>
-            </a:r>
-            <a:r>
-              <a:rPr lang="en-US" dirty="0" err="1"/>
+              <a:rPr lang="en-US" sz="2000" b="1" dirty="0"/>
+              <a:t> </a:t>
+            </a:r>
+            <a:r>
+              <a:rPr lang="en-US" sz="2000" b="1" dirty="0" err="1"/>
               <a:t>chính</a:t>
             </a:r>
-            <a:endParaRPr lang="en-US" dirty="0"/>
+            <a:endParaRPr lang="en-US" sz="2000" b="1" dirty="0"/>
           </a:p>
         </p:txBody>
       </p:sp>
@@ -9918,492 +11104,476 @@
           </a:prstGeom>
         </p:spPr>
       </p:pic>
+      <p:sp>
+        <p:nvSpPr>
+          <p:cNvPr id="3" name="TextBox 2">
+            <a:extLst>
+              <a:ext uri="{FF2B5EF4-FFF2-40B4-BE49-F238E27FC236}">
+                <a16:creationId xmlns:a16="http://schemas.microsoft.com/office/drawing/2014/main" id="{30D7454B-E9BC-4B77-879C-E49093191025}"/>
+              </a:ext>
+            </a:extLst>
+          </p:cNvPr>
+          <p:cNvSpPr txBox="1"/>
+          <p:nvPr/>
+        </p:nvSpPr>
+        <p:spPr>
+          <a:xfrm>
+            <a:off x="10644326" y="2396971"/>
+            <a:ext cx="1251752" cy="923330"/>
+          </a:xfrm>
+          <a:prstGeom prst="rect">
+            <a:avLst/>
+          </a:prstGeom>
+          <a:noFill/>
+        </p:spPr>
+        <p:txBody>
+          <a:bodyPr wrap="square" rtlCol="0">
+            <a:spAutoFit/>
+          </a:bodyPr>
+          <a:lstStyle/>
+          <a:p>
+            <a:r>
+              <a:rPr lang="en-US" dirty="0" err="1"/>
+              <a:t>Tạo</a:t>
+            </a:r>
+            <a:r>
+              <a:rPr lang="en-US" dirty="0"/>
+              <a:t> </a:t>
+            </a:r>
+            <a:r>
+              <a:rPr lang="en-US" dirty="0" err="1"/>
+              <a:t>mới</a:t>
+            </a:r>
+            <a:r>
+              <a:rPr lang="en-US" dirty="0"/>
+              <a:t> </a:t>
+            </a:r>
+            <a:r>
+              <a:rPr lang="en-US" dirty="0" err="1"/>
+              <a:t>giải</a:t>
+            </a:r>
+            <a:r>
+              <a:rPr lang="en-US" dirty="0"/>
+              <a:t> </a:t>
+            </a:r>
+            <a:r>
+              <a:rPr lang="en-US" dirty="0" err="1"/>
+              <a:t>đấu</a:t>
+            </a:r>
+            <a:r>
+              <a:rPr lang="en-US" dirty="0"/>
+              <a:t> </a:t>
+            </a:r>
+            <a:r>
+              <a:rPr lang="en-US" dirty="0" err="1"/>
+              <a:t>gồm</a:t>
+            </a:r>
+            <a:r>
+              <a:rPr lang="en-US" dirty="0"/>
+              <a:t> 16 </a:t>
+            </a:r>
+            <a:r>
+              <a:rPr lang="en-US" dirty="0" err="1"/>
+              <a:t>đội</a:t>
+            </a:r>
+            <a:endParaRPr lang="en-US" dirty="0"/>
+          </a:p>
+        </p:txBody>
+      </p:sp>
+      <p:sp>
+        <p:nvSpPr>
+          <p:cNvPr id="7" name="TextBox 6">
+            <a:extLst>
+              <a:ext uri="{FF2B5EF4-FFF2-40B4-BE49-F238E27FC236}">
+                <a16:creationId xmlns:a16="http://schemas.microsoft.com/office/drawing/2014/main" id="{5B67C9F0-ED5E-41E9-96E6-9D864A169E60}"/>
+              </a:ext>
+            </a:extLst>
+          </p:cNvPr>
+          <p:cNvSpPr txBox="1"/>
+          <p:nvPr/>
+        </p:nvSpPr>
+        <p:spPr>
+          <a:xfrm>
+            <a:off x="284085" y="4456590"/>
+            <a:ext cx="1411550" cy="1477328"/>
+          </a:xfrm>
+          <a:prstGeom prst="rect">
+            <a:avLst/>
+          </a:prstGeom>
+          <a:noFill/>
+        </p:spPr>
+        <p:txBody>
+          <a:bodyPr wrap="square" rtlCol="0">
+            <a:spAutoFit/>
+          </a:bodyPr>
+          <a:lstStyle/>
+          <a:p>
+            <a:r>
+              <a:rPr lang="en-US" dirty="0" err="1"/>
+              <a:t>ComboBox</a:t>
+            </a:r>
+            <a:r>
+              <a:rPr lang="en-US" dirty="0"/>
+              <a:t>:</a:t>
+            </a:r>
+          </a:p>
+          <a:p>
+            <a:r>
+              <a:rPr lang="en-US" dirty="0" err="1"/>
+              <a:t>Lịch</a:t>
+            </a:r>
+            <a:r>
+              <a:rPr lang="en-US" dirty="0"/>
+              <a:t> </a:t>
+            </a:r>
+            <a:r>
+              <a:rPr lang="en-US" dirty="0" err="1"/>
+              <a:t>thi</a:t>
+            </a:r>
+            <a:r>
+              <a:rPr lang="en-US" dirty="0"/>
+              <a:t> </a:t>
+            </a:r>
+            <a:r>
+              <a:rPr lang="en-US" dirty="0" err="1"/>
+              <a:t>đấu</a:t>
+            </a:r>
+            <a:r>
+              <a:rPr lang="en-US" dirty="0"/>
+              <a:t>,</a:t>
+            </a:r>
+          </a:p>
+          <a:p>
+            <a:r>
+              <a:rPr lang="en-US" dirty="0" err="1"/>
+              <a:t>Bảng</a:t>
+            </a:r>
+            <a:r>
+              <a:rPr lang="en-US" dirty="0"/>
+              <a:t> </a:t>
+            </a:r>
+            <a:r>
+              <a:rPr lang="en-US" dirty="0" err="1"/>
+              <a:t>xếp</a:t>
+            </a:r>
+            <a:r>
+              <a:rPr lang="en-US" dirty="0"/>
+              <a:t> </a:t>
+            </a:r>
+            <a:r>
+              <a:rPr lang="en-US" dirty="0" err="1"/>
+              <a:t>hạng,Thống</a:t>
+            </a:r>
+            <a:r>
+              <a:rPr lang="en-US" dirty="0"/>
+              <a:t> </a:t>
+            </a:r>
+            <a:r>
+              <a:rPr lang="en-US" dirty="0" err="1"/>
+              <a:t>kê</a:t>
+            </a:r>
+            <a:endParaRPr lang="en-US" dirty="0"/>
+          </a:p>
+        </p:txBody>
+      </p:sp>
+      <p:cxnSp>
+        <p:nvCxnSpPr>
+          <p:cNvPr id="9" name="Straight Arrow Connector 8">
+            <a:extLst>
+              <a:ext uri="{FF2B5EF4-FFF2-40B4-BE49-F238E27FC236}">
+                <a16:creationId xmlns:a16="http://schemas.microsoft.com/office/drawing/2014/main" id="{11998B24-BBBA-41DD-818E-E05C3FD0DC7E}"/>
+              </a:ext>
+            </a:extLst>
+          </p:cNvPr>
+          <p:cNvCxnSpPr/>
+          <p:nvPr/>
+        </p:nvCxnSpPr>
+        <p:spPr>
+          <a:xfrm flipH="1">
+            <a:off x="7688062" y="3320301"/>
+            <a:ext cx="2956264" cy="1251699"/>
+          </a:xfrm>
+          <a:prstGeom prst="straightConnector1">
+            <a:avLst/>
+          </a:prstGeom>
+          <a:ln>
+            <a:solidFill>
+              <a:schemeClr val="tx1"/>
+            </a:solidFill>
+            <a:tailEnd type="triangle"/>
+          </a:ln>
+        </p:spPr>
+        <p:style>
+          <a:lnRef idx="1">
+            <a:schemeClr val="accent1"/>
+          </a:lnRef>
+          <a:fillRef idx="0">
+            <a:schemeClr val="accent1"/>
+          </a:fillRef>
+          <a:effectRef idx="0">
+            <a:schemeClr val="accent1"/>
+          </a:effectRef>
+          <a:fontRef idx="minor">
+            <a:schemeClr val="tx1"/>
+          </a:fontRef>
+        </p:style>
+      </p:cxnSp>
+      <p:cxnSp>
+        <p:nvCxnSpPr>
+          <p:cNvPr id="11" name="Straight Arrow Connector 10">
+            <a:extLst>
+              <a:ext uri="{FF2B5EF4-FFF2-40B4-BE49-F238E27FC236}">
+                <a16:creationId xmlns:a16="http://schemas.microsoft.com/office/drawing/2014/main" id="{B701F120-CC6F-4140-BFAC-7BB35DA1C945}"/>
+              </a:ext>
+            </a:extLst>
+          </p:cNvPr>
+          <p:cNvCxnSpPr/>
+          <p:nvPr/>
+        </p:nvCxnSpPr>
+        <p:spPr>
+          <a:xfrm flipV="1">
+            <a:off x="1547674" y="3018408"/>
+            <a:ext cx="973584" cy="1624613"/>
+          </a:xfrm>
+          <a:prstGeom prst="straightConnector1">
+            <a:avLst/>
+          </a:prstGeom>
+          <a:ln>
+            <a:solidFill>
+              <a:schemeClr val="tx1"/>
+            </a:solidFill>
+            <a:tailEnd type="triangle"/>
+          </a:ln>
+        </p:spPr>
+        <p:style>
+          <a:lnRef idx="1">
+            <a:schemeClr val="accent1"/>
+          </a:lnRef>
+          <a:fillRef idx="0">
+            <a:schemeClr val="accent1"/>
+          </a:fillRef>
+          <a:effectRef idx="0">
+            <a:schemeClr val="accent1"/>
+          </a:effectRef>
+          <a:fontRef idx="minor">
+            <a:schemeClr val="tx1"/>
+          </a:fontRef>
+        </p:style>
+      </p:cxnSp>
+      <p:sp>
+        <p:nvSpPr>
+          <p:cNvPr id="12" name="TextBox 11">
+            <a:extLst>
+              <a:ext uri="{FF2B5EF4-FFF2-40B4-BE49-F238E27FC236}">
+                <a16:creationId xmlns:a16="http://schemas.microsoft.com/office/drawing/2014/main" id="{C332D37D-695E-4902-A74A-FD7A75D11565}"/>
+              </a:ext>
+            </a:extLst>
+          </p:cNvPr>
+          <p:cNvSpPr txBox="1"/>
+          <p:nvPr/>
+        </p:nvSpPr>
+        <p:spPr>
+          <a:xfrm>
+            <a:off x="10487489" y="4895165"/>
+            <a:ext cx="1331650" cy="1200329"/>
+          </a:xfrm>
+          <a:prstGeom prst="rect">
+            <a:avLst/>
+          </a:prstGeom>
+          <a:noFill/>
+        </p:spPr>
+        <p:txBody>
+          <a:bodyPr wrap="square" rtlCol="0">
+            <a:spAutoFit/>
+          </a:bodyPr>
+          <a:lstStyle/>
+          <a:p>
+            <a:r>
+              <a:rPr lang="en-US" dirty="0" err="1"/>
+              <a:t>Nhấn</a:t>
+            </a:r>
+            <a:r>
+              <a:rPr lang="en-US" dirty="0"/>
+              <a:t> </a:t>
+            </a:r>
+            <a:r>
+              <a:rPr lang="en-US" dirty="0" err="1"/>
+              <a:t>vào</a:t>
+            </a:r>
+            <a:r>
+              <a:rPr lang="en-US" dirty="0"/>
+              <a:t> logo CLB </a:t>
+            </a:r>
+            <a:r>
+              <a:rPr lang="en-US" dirty="0" err="1"/>
+              <a:t>để</a:t>
+            </a:r>
+            <a:r>
+              <a:rPr lang="en-US" dirty="0"/>
+              <a:t> </a:t>
+            </a:r>
+            <a:r>
+              <a:rPr lang="en-US" dirty="0" err="1"/>
+              <a:t>xem</a:t>
+            </a:r>
+            <a:r>
+              <a:rPr lang="en-US" dirty="0"/>
+              <a:t> </a:t>
+            </a:r>
+            <a:r>
+              <a:rPr lang="en-US" dirty="0" err="1"/>
+              <a:t>thông</a:t>
+            </a:r>
+            <a:r>
+              <a:rPr lang="en-US" dirty="0"/>
+              <a:t> tin</a:t>
+            </a:r>
+          </a:p>
+        </p:txBody>
+      </p:sp>
+      <p:cxnSp>
+        <p:nvCxnSpPr>
+          <p:cNvPr id="14" name="Straight Arrow Connector 13">
+            <a:extLst>
+              <a:ext uri="{FF2B5EF4-FFF2-40B4-BE49-F238E27FC236}">
+                <a16:creationId xmlns:a16="http://schemas.microsoft.com/office/drawing/2014/main" id="{2064EDA0-64C0-4223-A255-9AA2694DB091}"/>
+              </a:ext>
+            </a:extLst>
+          </p:cNvPr>
+          <p:cNvCxnSpPr>
+            <a:cxnSpLocks/>
+            <a:stCxn id="12" idx="1"/>
+          </p:cNvCxnSpPr>
+          <p:nvPr/>
+        </p:nvCxnSpPr>
+        <p:spPr>
+          <a:xfrm flipH="1" flipV="1">
+            <a:off x="8467937" y="5195256"/>
+            <a:ext cx="2019552" cy="300074"/>
+          </a:xfrm>
+          <a:prstGeom prst="straightConnector1">
+            <a:avLst/>
+          </a:prstGeom>
+          <a:ln>
+            <a:solidFill>
+              <a:schemeClr val="tx1"/>
+            </a:solidFill>
+            <a:tailEnd type="triangle"/>
+          </a:ln>
+        </p:spPr>
+        <p:style>
+          <a:lnRef idx="1">
+            <a:schemeClr val="accent1"/>
+          </a:lnRef>
+          <a:fillRef idx="0">
+            <a:schemeClr val="accent1"/>
+          </a:fillRef>
+          <a:effectRef idx="0">
+            <a:schemeClr val="accent1"/>
+          </a:effectRef>
+          <a:fontRef idx="minor">
+            <a:schemeClr val="tx1"/>
+          </a:fontRef>
+        </p:style>
+      </p:cxnSp>
+      <p:sp>
+        <p:nvSpPr>
+          <p:cNvPr id="16" name="TextBox 15">
+            <a:extLst>
+              <a:ext uri="{FF2B5EF4-FFF2-40B4-BE49-F238E27FC236}">
+                <a16:creationId xmlns:a16="http://schemas.microsoft.com/office/drawing/2014/main" id="{E3212AEF-7E67-41BB-B077-63CFDDA7D2C1}"/>
+              </a:ext>
+            </a:extLst>
+          </p:cNvPr>
+          <p:cNvSpPr txBox="1"/>
+          <p:nvPr/>
+        </p:nvSpPr>
+        <p:spPr>
+          <a:xfrm>
+            <a:off x="381739" y="1750640"/>
+            <a:ext cx="1216241" cy="646331"/>
+          </a:xfrm>
+          <a:prstGeom prst="rect">
+            <a:avLst/>
+          </a:prstGeom>
+          <a:noFill/>
+        </p:spPr>
+        <p:txBody>
+          <a:bodyPr wrap="square" rtlCol="0">
+            <a:spAutoFit/>
+          </a:bodyPr>
+          <a:lstStyle/>
+          <a:p>
+            <a:r>
+              <a:rPr lang="en-US" dirty="0" err="1"/>
+              <a:t>Thông</a:t>
+            </a:r>
+            <a:r>
+              <a:rPr lang="en-US" dirty="0"/>
+              <a:t> tin </a:t>
+            </a:r>
+            <a:r>
+              <a:rPr lang="en-US" dirty="0" err="1"/>
+              <a:t>tài</a:t>
+            </a:r>
+            <a:r>
+              <a:rPr lang="en-US" dirty="0"/>
+              <a:t> </a:t>
+            </a:r>
+            <a:r>
+              <a:rPr lang="en-US" dirty="0" err="1"/>
+              <a:t>khoản</a:t>
+            </a:r>
+            <a:endParaRPr lang="en-US" dirty="0"/>
+          </a:p>
+        </p:txBody>
+      </p:sp>
+      <p:cxnSp>
+        <p:nvCxnSpPr>
+          <p:cNvPr id="18" name="Straight Arrow Connector 17">
+            <a:extLst>
+              <a:ext uri="{FF2B5EF4-FFF2-40B4-BE49-F238E27FC236}">
+                <a16:creationId xmlns:a16="http://schemas.microsoft.com/office/drawing/2014/main" id="{B0D09A62-B2C2-4728-89B0-D3CCAA22A42A}"/>
+              </a:ext>
+            </a:extLst>
+          </p:cNvPr>
+          <p:cNvCxnSpPr/>
+          <p:nvPr/>
+        </p:nvCxnSpPr>
+        <p:spPr>
+          <a:xfrm>
+            <a:off x="1294719" y="2089446"/>
+            <a:ext cx="1226539" cy="569462"/>
+          </a:xfrm>
+          <a:prstGeom prst="straightConnector1">
+            <a:avLst/>
+          </a:prstGeom>
+          <a:ln>
+            <a:solidFill>
+              <a:schemeClr val="tx1"/>
+            </a:solidFill>
+            <a:tailEnd type="triangle"/>
+          </a:ln>
+        </p:spPr>
+        <p:style>
+          <a:lnRef idx="1">
+            <a:schemeClr val="accent1"/>
+          </a:lnRef>
+          <a:fillRef idx="0">
+            <a:schemeClr val="accent1"/>
+          </a:fillRef>
+          <a:effectRef idx="0">
+            <a:schemeClr val="accent1"/>
+          </a:effectRef>
+          <a:fontRef idx="minor">
+            <a:schemeClr val="tx1"/>
+          </a:fontRef>
+        </p:style>
+      </p:cxnSp>
     </p:spTree>
     <p:extLst>
       <p:ext uri="{BB962C8B-B14F-4D97-AF65-F5344CB8AC3E}">
         <p14:creationId xmlns:p14="http://schemas.microsoft.com/office/powerpoint/2010/main" val="2368929505"/>
-      </p:ext>
-    </p:extLst>
-  </p:cSld>
-  <p:clrMapOvr>
-    <a:masterClrMapping/>
-  </p:clrMapOvr>
-</p:sld>
-</file>
-
-<file path=ppt/slides/slide9.xml><?xml version="1.0" encoding="utf-8"?>
-<p:sld xmlns:a="http://schemas.openxmlformats.org/drawingml/2006/main" xmlns:r="http://schemas.openxmlformats.org/officeDocument/2006/relationships" xmlns:p="http://schemas.openxmlformats.org/presentationml/2006/main">
-  <p:cSld>
-    <p:spTree>
-      <p:nvGrpSpPr>
-        <p:cNvPr id="1" name=""/>
-        <p:cNvGrpSpPr/>
-        <p:nvPr/>
-      </p:nvGrpSpPr>
-      <p:grpSpPr>
-        <a:xfrm>
-          <a:off x="0" y="0"/>
-          <a:ext cx="0" cy="0"/>
-          <a:chOff x="0" y="0"/>
-          <a:chExt cx="0" cy="0"/>
-        </a:xfrm>
-      </p:grpSpPr>
-      <p:sp>
-        <p:nvSpPr>
-          <p:cNvPr id="2" name="Title 1">
-            <a:extLst>
-              <a:ext uri="{FF2B5EF4-FFF2-40B4-BE49-F238E27FC236}">
-                <a16:creationId xmlns:a16="http://schemas.microsoft.com/office/drawing/2014/main" id="{67621457-0CD9-4146-AC5D-55DDF3D79957}"/>
-              </a:ext>
-            </a:extLst>
-          </p:cNvPr>
-          <p:cNvSpPr>
-            <a:spLocks noGrp="1"/>
-          </p:cNvSpPr>
-          <p:nvPr>
-            <p:ph type="title"/>
-          </p:nvPr>
-        </p:nvSpPr>
-        <p:spPr/>
-        <p:txBody>
-          <a:bodyPr/>
-          <a:lstStyle/>
-          <a:p>
-            <a:r>
-              <a:rPr lang="en-US" sz="3200" b="1" dirty="0" err="1">
-                <a:solidFill>
-                  <a:srgbClr val="FF0000"/>
-                </a:solidFill>
-                <a:latin typeface="Adobe Garamond Pro Bold" panose="02020702060506020403" pitchFamily="18" charset="0"/>
-              </a:rPr>
-              <a:t>Giao</a:t>
-            </a:r>
-            <a:r>
-              <a:rPr lang="en-US" sz="3200" b="1" dirty="0">
-                <a:solidFill>
-                  <a:srgbClr val="FF0000"/>
-                </a:solidFill>
-                <a:latin typeface="Adobe Garamond Pro Bold" panose="02020702060506020403" pitchFamily="18" charset="0"/>
-              </a:rPr>
-              <a:t> </a:t>
-            </a:r>
-            <a:r>
-              <a:rPr lang="en-US" sz="3200" b="1" dirty="0" err="1">
-                <a:solidFill>
-                  <a:srgbClr val="FF0000"/>
-                </a:solidFill>
-                <a:latin typeface="Adobe Garamond Pro Bold" panose="02020702060506020403" pitchFamily="18" charset="0"/>
-              </a:rPr>
-              <a:t>diện</a:t>
-            </a:r>
-            <a:r>
-              <a:rPr lang="en-US" sz="3200" b="1" dirty="0">
-                <a:solidFill>
-                  <a:srgbClr val="FF0000"/>
-                </a:solidFill>
-                <a:latin typeface="Adobe Garamond Pro Bold" panose="02020702060506020403" pitchFamily="18" charset="0"/>
-              </a:rPr>
-              <a:t> </a:t>
-            </a:r>
-            <a:r>
-              <a:rPr lang="en-US" sz="3200" b="1" dirty="0" err="1">
-                <a:solidFill>
-                  <a:srgbClr val="FF0000"/>
-                </a:solidFill>
-                <a:latin typeface="Adobe Garamond Pro Bold" panose="02020702060506020403" pitchFamily="18" charset="0"/>
-              </a:rPr>
-              <a:t>ch</a:t>
-            </a:r>
-            <a:r>
-              <a:rPr lang="vi-VN" sz="3200" b="1" dirty="0">
-                <a:solidFill>
-                  <a:srgbClr val="FF0000"/>
-                </a:solidFill>
-              </a:rPr>
-              <a:t>ư</a:t>
-            </a:r>
-            <a:r>
-              <a:rPr lang="en-US" sz="3200" b="1" dirty="0" err="1">
-                <a:solidFill>
-                  <a:srgbClr val="FF0000"/>
-                </a:solidFill>
-                <a:latin typeface="Adobe Garamond Pro Bold" panose="02020702060506020403" pitchFamily="18" charset="0"/>
-              </a:rPr>
-              <a:t>ơng</a:t>
-            </a:r>
-            <a:r>
-              <a:rPr lang="en-US" sz="3200" b="1" dirty="0">
-                <a:solidFill>
-                  <a:srgbClr val="FF0000"/>
-                </a:solidFill>
-                <a:latin typeface="Adobe Garamond Pro Bold" panose="02020702060506020403" pitchFamily="18" charset="0"/>
-              </a:rPr>
-              <a:t> </a:t>
-            </a:r>
-            <a:r>
-              <a:rPr lang="en-US" sz="3200" b="1" dirty="0" err="1">
-                <a:solidFill>
-                  <a:srgbClr val="FF0000"/>
-                </a:solidFill>
-                <a:latin typeface="Adobe Garamond Pro Bold" panose="02020702060506020403" pitchFamily="18" charset="0"/>
-              </a:rPr>
-              <a:t>trình</a:t>
-            </a:r>
-            <a:endParaRPr lang="en-US" sz="3200" b="1" dirty="0">
-              <a:solidFill>
-                <a:srgbClr val="FF0000"/>
-              </a:solidFill>
-              <a:latin typeface="Adobe Garamond Pro Bold" panose="02020702060506020403" pitchFamily="18" charset="0"/>
-            </a:endParaRPr>
-          </a:p>
-        </p:txBody>
-      </p:sp>
-      <p:pic>
-        <p:nvPicPr>
-          <p:cNvPr id="4" name="Content Placeholder 3">
-            <a:extLst>
-              <a:ext uri="{FF2B5EF4-FFF2-40B4-BE49-F238E27FC236}">
-                <a16:creationId xmlns:a16="http://schemas.microsoft.com/office/drawing/2014/main" id="{92CC6F76-5727-4A3F-AEC2-A04F92EF5002}"/>
-              </a:ext>
-            </a:extLst>
-          </p:cNvPr>
-          <p:cNvPicPr>
-            <a:picLocks noGrp="1" noChangeAspect="1"/>
-          </p:cNvPicPr>
-          <p:nvPr>
-            <p:ph idx="1"/>
-          </p:nvPr>
-        </p:nvPicPr>
-        <p:blipFill>
-          <a:blip r:embed="rId2"/>
-          <a:stretch>
-            <a:fillRect/>
-          </a:stretch>
-        </p:blipFill>
-        <p:spPr>
-          <a:xfrm>
-            <a:off x="2231136" y="2638425"/>
-            <a:ext cx="7729727" cy="3819525"/>
-          </a:xfrm>
-          <a:prstGeom prst="rect">
-            <a:avLst/>
-          </a:prstGeom>
-        </p:spPr>
-      </p:pic>
-      <p:sp>
-        <p:nvSpPr>
-          <p:cNvPr id="5" name="Content Placeholder 2">
-            <a:extLst>
-              <a:ext uri="{FF2B5EF4-FFF2-40B4-BE49-F238E27FC236}">
-                <a16:creationId xmlns:a16="http://schemas.microsoft.com/office/drawing/2014/main" id="{1F7AD550-6F69-46A3-8B03-E605D8C14342}"/>
-              </a:ext>
-            </a:extLst>
-          </p:cNvPr>
-          <p:cNvSpPr txBox="1">
-            <a:spLocks/>
-          </p:cNvSpPr>
-          <p:nvPr/>
-        </p:nvSpPr>
-        <p:spPr>
-          <a:xfrm>
-            <a:off x="1" y="3171613"/>
-            <a:ext cx="2231136" cy="1188720"/>
-          </a:xfrm>
-          <a:prstGeom prst="rect">
-            <a:avLst/>
-          </a:prstGeom>
-        </p:spPr>
-        <p:txBody>
-          <a:bodyPr vert="horz" lIns="91440" tIns="45720" rIns="91440" bIns="45720" rtlCol="0">
-            <a:normAutofit/>
-          </a:bodyPr>
-          <a:lstStyle>
-            <a:lvl1pPr marL="228600" indent="-228600" algn="l" defTabSz="914400" rtl="0" eaLnBrk="1" latinLnBrk="0" hangingPunct="1">
-              <a:lnSpc>
-                <a:spcPct val="100000"/>
-              </a:lnSpc>
-              <a:spcBef>
-                <a:spcPts val="1000"/>
-              </a:spcBef>
-              <a:buClr>
-                <a:schemeClr val="accent2"/>
-              </a:buClr>
-              <a:buFont typeface="Arial" panose="020B0604020202020204" pitchFamily="34" charset="0"/>
-              <a:buChar char="•"/>
-              <a:defRPr sz="1800" kern="1200">
-                <a:solidFill>
-                  <a:schemeClr val="tx1">
-                    <a:lumMod val="85000"/>
-                    <a:lumOff val="15000"/>
-                  </a:schemeClr>
-                </a:solidFill>
-                <a:latin typeface="+mn-lt"/>
-                <a:ea typeface="+mn-ea"/>
-                <a:cs typeface="+mn-cs"/>
-              </a:defRPr>
-            </a:lvl1pPr>
-            <a:lvl2pPr marL="457200" indent="-228600" algn="l" defTabSz="914400" rtl="0" eaLnBrk="1" latinLnBrk="0" hangingPunct="1">
-              <a:lnSpc>
-                <a:spcPct val="100000"/>
-              </a:lnSpc>
-              <a:spcBef>
-                <a:spcPts val="1000"/>
-              </a:spcBef>
-              <a:buClr>
-                <a:schemeClr val="accent2"/>
-              </a:buClr>
-              <a:buFont typeface="Arial" panose="020B0604020202020204" pitchFamily="34" charset="0"/>
-              <a:buChar char="•"/>
-              <a:defRPr sz="1600" kern="1200">
-                <a:solidFill>
-                  <a:schemeClr val="tx1">
-                    <a:lumMod val="85000"/>
-                    <a:lumOff val="15000"/>
-                  </a:schemeClr>
-                </a:solidFill>
-                <a:latin typeface="+mn-lt"/>
-                <a:ea typeface="+mn-ea"/>
-                <a:cs typeface="+mn-cs"/>
-              </a:defRPr>
-            </a:lvl2pPr>
-            <a:lvl3pPr marL="685800" indent="-228600" algn="l" defTabSz="914400" rtl="0" eaLnBrk="1" latinLnBrk="0" hangingPunct="1">
-              <a:lnSpc>
-                <a:spcPct val="100000"/>
-              </a:lnSpc>
-              <a:spcBef>
-                <a:spcPts val="1000"/>
-              </a:spcBef>
-              <a:buClr>
-                <a:schemeClr val="accent2"/>
-              </a:buClr>
-              <a:buFont typeface="Arial" panose="020B0604020202020204" pitchFamily="34" charset="0"/>
-              <a:buChar char="•"/>
-              <a:defRPr sz="1600" kern="1200">
-                <a:solidFill>
-                  <a:schemeClr val="tx1">
-                    <a:lumMod val="85000"/>
-                    <a:lumOff val="15000"/>
-                  </a:schemeClr>
-                </a:solidFill>
-                <a:latin typeface="+mn-lt"/>
-                <a:ea typeface="+mn-ea"/>
-                <a:cs typeface="+mn-cs"/>
-              </a:defRPr>
-            </a:lvl3pPr>
-            <a:lvl4pPr marL="914400" indent="-228600" algn="l" defTabSz="914400" rtl="0" eaLnBrk="1" latinLnBrk="0" hangingPunct="1">
-              <a:lnSpc>
-                <a:spcPct val="100000"/>
-              </a:lnSpc>
-              <a:spcBef>
-                <a:spcPts val="1000"/>
-              </a:spcBef>
-              <a:buClr>
-                <a:schemeClr val="accent2"/>
-              </a:buClr>
-              <a:buFont typeface="Arial" panose="020B0604020202020204" pitchFamily="34" charset="0"/>
-              <a:buChar char="•"/>
-              <a:defRPr sz="1600" kern="1200">
-                <a:solidFill>
-                  <a:schemeClr val="tx1">
-                    <a:lumMod val="85000"/>
-                    <a:lumOff val="15000"/>
-                  </a:schemeClr>
-                </a:solidFill>
-                <a:latin typeface="+mn-lt"/>
-                <a:ea typeface="+mn-ea"/>
-                <a:cs typeface="+mn-cs"/>
-              </a:defRPr>
-            </a:lvl4pPr>
-            <a:lvl5pPr marL="1143000" indent="-228600" algn="l" defTabSz="914400" rtl="0" eaLnBrk="1" latinLnBrk="0" hangingPunct="1">
-              <a:lnSpc>
-                <a:spcPct val="100000"/>
-              </a:lnSpc>
-              <a:spcBef>
-                <a:spcPts val="1000"/>
-              </a:spcBef>
-              <a:buClr>
-                <a:schemeClr val="accent2"/>
-              </a:buClr>
-              <a:buFont typeface="Arial" panose="020B0604020202020204" pitchFamily="34" charset="0"/>
-              <a:buChar char="•"/>
-              <a:defRPr sz="1600" kern="1200">
-                <a:solidFill>
-                  <a:schemeClr val="tx1">
-                    <a:lumMod val="85000"/>
-                    <a:lumOff val="15000"/>
-                  </a:schemeClr>
-                </a:solidFill>
-                <a:latin typeface="+mn-lt"/>
-                <a:ea typeface="+mn-ea"/>
-                <a:cs typeface="+mn-cs"/>
-              </a:defRPr>
-            </a:lvl5pPr>
-            <a:lvl6pPr marL="1312863" indent="-228600" algn="l" defTabSz="914400" rtl="0" eaLnBrk="1" latinLnBrk="0" hangingPunct="1">
-              <a:lnSpc>
-                <a:spcPct val="100000"/>
-              </a:lnSpc>
-              <a:spcBef>
-                <a:spcPts val="1000"/>
-              </a:spcBef>
-              <a:buClr>
-                <a:schemeClr val="accent2"/>
-              </a:buClr>
-              <a:buFont typeface="Arial" panose="020B0604020202020204" pitchFamily="34" charset="0"/>
-              <a:buChar char="•"/>
-              <a:defRPr sz="1600" kern="1200">
-                <a:solidFill>
-                  <a:schemeClr val="tx1"/>
-                </a:solidFill>
-                <a:latin typeface="+mn-lt"/>
-                <a:ea typeface="+mn-ea"/>
-                <a:cs typeface="+mn-cs"/>
-              </a:defRPr>
-            </a:lvl6pPr>
-            <a:lvl7pPr marL="1484313" indent="-228600" algn="l" defTabSz="914400" rtl="0" eaLnBrk="1" latinLnBrk="0" hangingPunct="1">
-              <a:lnSpc>
-                <a:spcPct val="100000"/>
-              </a:lnSpc>
-              <a:spcBef>
-                <a:spcPts val="1000"/>
-              </a:spcBef>
-              <a:buClr>
-                <a:schemeClr val="accent2"/>
-              </a:buClr>
-              <a:buFont typeface="Arial" panose="020B0604020202020204" pitchFamily="34" charset="0"/>
-              <a:buChar char="•"/>
-              <a:defRPr sz="1600" kern="1200">
-                <a:solidFill>
-                  <a:schemeClr val="tx1"/>
-                </a:solidFill>
-                <a:latin typeface="+mn-lt"/>
-                <a:ea typeface="+mn-ea"/>
-                <a:cs typeface="+mn-cs"/>
-              </a:defRPr>
-            </a:lvl7pPr>
-            <a:lvl8pPr marL="1657350" indent="-228600" algn="l" defTabSz="914400" rtl="0" eaLnBrk="1" latinLnBrk="0" hangingPunct="1">
-              <a:lnSpc>
-                <a:spcPct val="100000"/>
-              </a:lnSpc>
-              <a:spcBef>
-                <a:spcPts val="1000"/>
-              </a:spcBef>
-              <a:buClr>
-                <a:schemeClr val="accent2"/>
-              </a:buClr>
-              <a:buFont typeface="Arial" panose="020B0604020202020204" pitchFamily="34" charset="0"/>
-              <a:buChar char="•"/>
-              <a:defRPr sz="1600" kern="1200" baseline="0">
-                <a:solidFill>
-                  <a:schemeClr val="tx1"/>
-                </a:solidFill>
-                <a:latin typeface="+mn-lt"/>
-                <a:ea typeface="+mn-ea"/>
-                <a:cs typeface="+mn-cs"/>
-              </a:defRPr>
-            </a:lvl8pPr>
-            <a:lvl9pPr marL="1882775" indent="-228600" algn="l" defTabSz="914400" rtl="0" eaLnBrk="1" latinLnBrk="0" hangingPunct="1">
-              <a:lnSpc>
-                <a:spcPct val="100000"/>
-              </a:lnSpc>
-              <a:spcBef>
-                <a:spcPts val="1000"/>
-              </a:spcBef>
-              <a:buClr>
-                <a:schemeClr val="accent2"/>
-              </a:buClr>
-              <a:buFont typeface="Arial" panose="020B0604020202020204" pitchFamily="34" charset="0"/>
-              <a:buChar char="•"/>
-              <a:defRPr sz="1600" kern="1200" baseline="0">
-                <a:solidFill>
-                  <a:schemeClr val="tx1"/>
-                </a:solidFill>
-                <a:latin typeface="+mn-lt"/>
-                <a:ea typeface="+mn-ea"/>
-                <a:cs typeface="+mn-cs"/>
-              </a:defRPr>
-            </a:lvl9pPr>
-          </a:lstStyle>
-          <a:p>
-            <a:r>
-              <a:rPr lang="en-US" dirty="0" err="1"/>
-              <a:t>Tra</a:t>
-            </a:r>
-            <a:r>
-              <a:rPr lang="en-US" dirty="0"/>
-              <a:t> </a:t>
-            </a:r>
-            <a:r>
-              <a:rPr lang="en-US" dirty="0" err="1"/>
-              <a:t>cứu</a:t>
-            </a:r>
-            <a:r>
-              <a:rPr lang="en-US" dirty="0"/>
-              <a:t> </a:t>
-            </a:r>
-            <a:r>
-              <a:rPr lang="en-US" dirty="0" err="1"/>
-              <a:t>thông</a:t>
-            </a:r>
-            <a:r>
-              <a:rPr lang="en-US" dirty="0"/>
-              <a:t> tin </a:t>
-            </a:r>
-            <a:r>
-              <a:rPr lang="en-US" dirty="0" err="1"/>
-              <a:t>cầu</a:t>
-            </a:r>
-            <a:r>
-              <a:rPr lang="en-US" dirty="0"/>
-              <a:t> </a:t>
-            </a:r>
-            <a:r>
-              <a:rPr lang="en-US" dirty="0" err="1"/>
-              <a:t>thủ</a:t>
-            </a:r>
-            <a:endParaRPr lang="en-US" dirty="0"/>
-          </a:p>
-        </p:txBody>
-      </p:sp>
-      <p:pic>
-        <p:nvPicPr>
-          <p:cNvPr id="6" name="Picture 5">
-            <a:extLst>
-              <a:ext uri="{FF2B5EF4-FFF2-40B4-BE49-F238E27FC236}">
-                <a16:creationId xmlns:a16="http://schemas.microsoft.com/office/drawing/2014/main" id="{85CC2235-EDA6-4442-A066-ACBD220959FD}"/>
-              </a:ext>
-            </a:extLst>
-          </p:cNvPr>
-          <p:cNvPicPr>
-            <a:picLocks noChangeAspect="1"/>
-          </p:cNvPicPr>
-          <p:nvPr/>
-        </p:nvPicPr>
-        <p:blipFill>
-          <a:blip r:embed="rId3">
-            <a:extLst>
-              <a:ext uri="{28A0092B-C50C-407E-A947-70E740481C1C}">
-                <a14:useLocalDpi xmlns:a14="http://schemas.microsoft.com/office/drawing/2010/main" val="0"/>
-              </a:ext>
-            </a:extLst>
-          </a:blip>
-          <a:stretch>
-            <a:fillRect/>
-          </a:stretch>
-        </p:blipFill>
-        <p:spPr>
-          <a:xfrm>
-            <a:off x="1" y="1"/>
-            <a:ext cx="2809600" cy="1543050"/>
-          </a:xfrm>
-          <a:prstGeom prst="rect">
-            <a:avLst/>
-          </a:prstGeom>
-        </p:spPr>
-      </p:pic>
-    </p:spTree>
-    <p:extLst>
-      <p:ext uri="{BB962C8B-B14F-4D97-AF65-F5344CB8AC3E}">
-        <p14:creationId xmlns:p14="http://schemas.microsoft.com/office/powerpoint/2010/main" val="378051803"/>
       </p:ext>
     </p:extLst>
   </p:cSld>
